--- a/presentations/CS412_Project.pptx
+++ b/presentations/CS412_Project.pptx
@@ -4357,7 +4357,7 @@
         </p:spPr>
         <p:txBody>
           <a:bodyPr vert="horz" lIns="91440" tIns="45720" rIns="91440" bIns="45720" rtlCol="0" anchor="ctr">
-            <a:normAutofit fontScale="92500" lnSpcReduction="10000"/>
+            <a:normAutofit lnSpcReduction="10000"/>
           </a:bodyPr>
           <a:lstStyle/>
           <a:p>
@@ -4521,15 +4521,15 @@
                   <a:srgbClr val="FFFFFF"/>
                 </a:solidFill>
               </a:rPr>
-              <a:t>Generates all combinations of a specific size, resulting in O((n-1)/</a:t>
-            </a:r>
-            <a:r>
-              <a:rPr lang="en-US" dirty="0" err="1">
-                <a:solidFill>
-                  <a:srgbClr val="FFFFFF"/>
-                </a:solidFill>
-              </a:rPr>
-              <a:t>subset_size</a:t>
+              <a:t>Generates all combinations of a </a:t>
+            </a:r>
+            <a:r>
+              <a:rPr lang="en-US">
+                <a:solidFill>
+                  <a:srgbClr val="FFFFFF"/>
+                </a:solidFill>
+              </a:rPr>
+              <a:t>specific size. </a:t>
             </a:r>
             <a:r>
               <a:rPr lang="en-US" dirty="0">
@@ -4537,7 +4537,7 @@
                   <a:srgbClr val="FFFFFF"/>
                 </a:solidFill>
               </a:rPr>
-              <a:t>) combinations. In the worst case (when the subset size is n-1), this will be O(2^(n-1)).</a:t>
+              <a:t>In the worst case (when the subset size is n-1), this will be O(2^(n-1)).</a:t>
             </a:r>
           </a:p>
           <a:p>

--- a/presentations/CS412_Project.pptx
+++ b/presentations/CS412_Project.pptx
@@ -6774,7 +6774,7 @@
                   <a:srgbClr val="FFFFFF"/>
                 </a:solidFill>
               </a:rPr>
-              <a:t>Decision Problem: Is there a Hamiltonian Circuit with a total cost less than a given total cost K?</a:t>
+              <a:t>Decision Problem: How should we determine which vertices to visit in a complete weighted graph where the travel cost (total weight) is the least possible?</a:t>
             </a:r>
           </a:p>
           <a:p>
@@ -6797,21 +6797,8 @@
                   <a:srgbClr val="FFFFFF"/>
                 </a:solidFill>
               </a:rPr>
-              <a:t>Optimization Problem: Find the shortest path possible that visits each vertex once and can return to the </a:t>
-            </a:r>
-            <a:r>
-              <a:rPr lang="en-US" sz="2800">
-                <a:solidFill>
-                  <a:srgbClr val="FFFFFF"/>
-                </a:solidFill>
-              </a:rPr>
-              <a:t>starting vertex</a:t>
-            </a:r>
-            <a:endParaRPr lang="en-US" sz="2800" dirty="0">
-              <a:solidFill>
-                <a:srgbClr val="FFFFFF"/>
-              </a:solidFill>
-            </a:endParaRPr>
+              <a:t>Optimization Problem: Find the shortest path possible that visits each vertex once and can return to the starting vertex</a:t>
+            </a:r>
           </a:p>
         </p:txBody>
       </p:sp>
@@ -7235,7 +7222,7 @@
         </p:nvSpPr>
         <p:spPr>
           <a:xfrm>
-            <a:off x="657223" y="835379"/>
+            <a:off x="696733" y="835379"/>
             <a:ext cx="3643843" cy="5283200"/>
           </a:xfrm>
           <a:prstGeom prst="rect">
